--- a/Topics_28022018.pptx
+++ b/Topics_28022018.pptx
@@ -15,6 +15,7 @@
     <p:sldId id="263" r:id="rId9"/>
     <p:sldId id="264" r:id="rId10"/>
     <p:sldId id="265" r:id="rId11"/>
+    <p:sldId id="266" r:id="rId12"/>
   </p:sldIdLst>
   <p:sldSz cx="9144000" cy="6858000" type="screen4x3"/>
   <p:notesSz cx="6858000" cy="9144000"/>
@@ -3084,8 +3085,8 @@
           <a:lstStyle/>
           <a:p>
             <a:r>
-              <a:rPr lang="en-NZ" dirty="0" smtClean="0"/>
-              <a:t>VCS</a:t>
+              <a:rPr lang="en-NZ" smtClean="0"/>
+              <a:t>VCSwjdaw</a:t>
             </a:r>
             <a:endParaRPr lang="en-NZ" dirty="0"/>
           </a:p>
@@ -3170,6 +3171,84 @@
           </a:p>
         </p:txBody>
       </p:sp>
+      <p:pic>
+        <p:nvPicPr>
+          <p:cNvPr id="1026" name="Picture 2"/>
+          <p:cNvPicPr>
+            <a:picLocks noGrp="1" noChangeAspect="1" noChangeArrowheads="1"/>
+          </p:cNvPicPr>
+          <p:nvPr>
+            <p:ph idx="1"/>
+          </p:nvPr>
+        </p:nvPicPr>
+        <p:blipFill>
+          <a:blip r:embed="rId2" cstate="print"/>
+          <a:srcRect b="5717"/>
+          <a:stretch>
+            <a:fillRect/>
+          </a:stretch>
+        </p:blipFill>
+        <p:spPr bwMode="auto">
+          <a:xfrm>
+            <a:off x="546957" y="1600200"/>
+            <a:ext cx="8050085" cy="4267200"/>
+          </a:xfrm>
+          <a:prstGeom prst="rect">
+            <a:avLst/>
+          </a:prstGeom>
+          <a:noFill/>
+          <a:ln w="9525">
+            <a:noFill/>
+            <a:miter lim="800000"/>
+            <a:headEnd/>
+            <a:tailEnd/>
+          </a:ln>
+        </p:spPr>
+      </p:pic>
+    </p:spTree>
+  </p:cSld>
+  <p:clrMapOvr>
+    <a:masterClrMapping/>
+  </p:clrMapOvr>
+</p:sld>
+</file>
+
+<file path=ppt/slides/slide11.xml><?xml version="1.0" encoding="utf-8"?>
+<p:sld xmlns:a="http://schemas.openxmlformats.org/drawingml/2006/main" xmlns:r="http://schemas.openxmlformats.org/officeDocument/2006/relationships" xmlns:p="http://schemas.openxmlformats.org/presentationml/2006/main">
+  <p:cSld>
+    <p:spTree>
+      <p:nvGrpSpPr>
+        <p:cNvPr id="1" name=""/>
+        <p:cNvGrpSpPr/>
+        <p:nvPr/>
+      </p:nvGrpSpPr>
+      <p:grpSpPr>
+        <a:xfrm>
+          <a:off x="0" y="0"/>
+          <a:ext cx="0" cy="0"/>
+          <a:chOff x="0" y="0"/>
+          <a:chExt cx="0" cy="0"/>
+        </a:xfrm>
+      </p:grpSpPr>
+      <p:sp>
+        <p:nvSpPr>
+          <p:cNvPr id="2" name="Title 1"/>
+          <p:cNvSpPr>
+            <a:spLocks noGrp="1"/>
+          </p:cNvSpPr>
+          <p:nvPr>
+            <p:ph type="title"/>
+          </p:nvPr>
+        </p:nvSpPr>
+        <p:spPr/>
+        <p:txBody>
+          <a:bodyPr/>
+          <a:lstStyle/>
+          <a:p>
+            <a:endParaRPr lang="en-NZ"/>
+          </a:p>
+        </p:txBody>
+      </p:sp>
       <p:sp>
         <p:nvSpPr>
           <p:cNvPr id="3" name="Content Placeholder 2"/>
@@ -3262,7 +3341,6 @@
               <a:rPr lang="en-NZ" sz="2800" dirty="0" smtClean="0"/>
               <a:t>Allows for collaborative development.</a:t>
             </a:r>
-            <a:endParaRPr lang="en-NZ" sz="2800" dirty="0" smtClean="0"/>
           </a:p>
           <a:p>
             <a:r>
@@ -3632,13 +3710,7 @@
               <a:rPr lang="en-NZ" sz="1800" dirty="0" smtClean="0">
                 <a:hlinkClick r:id="rId2"/>
               </a:rPr>
-              <a:t>https://</a:t>
-            </a:r>
-            <a:r>
-              <a:rPr lang="en-NZ" sz="1800" dirty="0" smtClean="0">
-                <a:hlinkClick r:id="rId2"/>
-              </a:rPr>
-              <a:t>git-scm.com/book/en/v2/GitHub-Account-Setup-and-Configuration</a:t>
+              <a:t>https://git-scm.com/book/en/v2/GitHub-Account-Setup-and-Configuration</a:t>
             </a:r>
             <a:endParaRPr lang="en-NZ" sz="1800" dirty="0" smtClean="0"/>
           </a:p>
@@ -3653,11 +3725,7 @@
             </a:r>
             <a:r>
               <a:rPr lang="en-NZ" dirty="0" smtClean="0"/>
-              <a:t> to your </a:t>
-            </a:r>
-            <a:r>
-              <a:rPr lang="en-NZ" dirty="0" smtClean="0"/>
-              <a:t>local machine at </a:t>
+              <a:t> to your local machine at </a:t>
             </a:r>
             <a:r>
               <a:rPr lang="en-NZ" sz="1800" dirty="0" smtClean="0"/>
@@ -3722,11 +3790,7 @@
             </a:r>
             <a:r>
               <a:rPr lang="en-NZ" sz="2800" dirty="0" smtClean="0"/>
-              <a:t>(Use Git in a web browser</a:t>
-            </a:r>
-            <a:r>
-              <a:rPr lang="en-NZ" sz="2800" dirty="0" smtClean="0"/>
-              <a:t>!)</a:t>
+              <a:t>(Use Git in a web browser!)</a:t>
             </a:r>
             <a:endParaRPr lang="en-NZ" sz="2800" dirty="0"/>
           </a:p>
@@ -3754,7 +3818,6 @@
               <a:rPr lang="en-NZ" dirty="0" smtClean="0"/>
               <a:t>Create a Repository: </a:t>
             </a:r>
-            <a:endParaRPr lang="en-NZ" dirty="0" smtClean="0"/>
           </a:p>
           <a:p>
             <a:pPr>
@@ -3768,13 +3831,7 @@
               <a:rPr lang="en-NZ" sz="1400" dirty="0" smtClean="0">
                 <a:hlinkClick r:id="rId2"/>
               </a:rPr>
-              <a:t>https://github.com</a:t>
-            </a:r>
-            <a:r>
-              <a:rPr lang="en-NZ" sz="1400" dirty="0" smtClean="0">
-                <a:hlinkClick r:id="rId2"/>
-              </a:rPr>
-              <a:t>/</a:t>
+              <a:t>https://github.com/</a:t>
             </a:r>
             <a:endParaRPr lang="en-NZ" sz="1400" dirty="0" smtClean="0"/>
           </a:p>
@@ -3784,15 +3841,25 @@
             </a:pPr>
             <a:r>
               <a:rPr lang="en-NZ" sz="1400" dirty="0" smtClean="0"/>
-              <a:t>● </a:t>
-            </a:r>
+              <a:t>● Log in</a:t>
+            </a:r>
+          </a:p>
+          <a:p>
+            <a:pPr>
+              <a:buNone/>
+            </a:pPr>
             <a:r>
               <a:rPr lang="en-NZ" sz="1400" dirty="0" smtClean="0"/>
-              <a:t>Log </a:t>
-            </a:r>
+              <a:t>● Click + to create new repository </a:t>
+            </a:r>
+          </a:p>
+          <a:p>
+            <a:pPr>
+              <a:buNone/>
+            </a:pPr>
             <a:r>
               <a:rPr lang="en-NZ" sz="1400" dirty="0" smtClean="0"/>
-              <a:t>in</a:t>
+              <a:t>● Name it </a:t>
             </a:r>
           </a:p>
           <a:p>
@@ -3801,57 +3868,16 @@
             </a:pPr>
             <a:r>
               <a:rPr lang="en-NZ" sz="1400" dirty="0" smtClean="0"/>
-              <a:t>● </a:t>
-            </a:r>
+              <a:t>● Click initialize with README </a:t>
+            </a:r>
+          </a:p>
+          <a:p>
+            <a:pPr>
+              <a:buNone/>
+            </a:pPr>
             <a:r>
               <a:rPr lang="en-NZ" sz="1400" dirty="0" smtClean="0"/>
-              <a:t>Click + to create new repository </a:t>
-            </a:r>
-            <a:endParaRPr lang="en-NZ" sz="1400" dirty="0" smtClean="0"/>
-          </a:p>
-          <a:p>
-            <a:pPr>
-              <a:buNone/>
-            </a:pPr>
-            <a:r>
-              <a:rPr lang="en-NZ" sz="1400" dirty="0" smtClean="0"/>
-              <a:t>● </a:t>
-            </a:r>
-            <a:r>
-              <a:rPr lang="en-NZ" sz="1400" dirty="0" smtClean="0"/>
-              <a:t>Name it </a:t>
-            </a:r>
-            <a:endParaRPr lang="en-NZ" sz="1400" dirty="0" smtClean="0"/>
-          </a:p>
-          <a:p>
-            <a:pPr>
-              <a:buNone/>
-            </a:pPr>
-            <a:r>
-              <a:rPr lang="en-NZ" sz="1400" dirty="0" smtClean="0"/>
-              <a:t>● </a:t>
-            </a:r>
-            <a:r>
-              <a:rPr lang="en-NZ" sz="1400" dirty="0" smtClean="0"/>
-              <a:t>Click initialize with README </a:t>
-            </a:r>
-            <a:endParaRPr lang="en-NZ" sz="1400" dirty="0" smtClean="0"/>
-          </a:p>
-          <a:p>
-            <a:pPr>
-              <a:buNone/>
-            </a:pPr>
-            <a:r>
-              <a:rPr lang="en-NZ" sz="1400" dirty="0" smtClean="0"/>
-              <a:t>● </a:t>
-            </a:r>
-            <a:r>
-              <a:rPr lang="en-NZ" sz="1400" dirty="0" smtClean="0"/>
-              <a:t>Click "Create </a:t>
-            </a:r>
-            <a:r>
-              <a:rPr lang="en-NZ" sz="1400" dirty="0" smtClean="0"/>
-              <a:t>repository“</a:t>
+              <a:t>● Click "Create repository“</a:t>
             </a:r>
           </a:p>
           <a:p>
@@ -3877,7 +3903,6 @@
               <a:rPr lang="en-NZ" sz="1400" dirty="0" smtClean="0"/>
               <a:t>● Click on a file </a:t>
             </a:r>
-            <a:endParaRPr lang="en-NZ" sz="1400" dirty="0" smtClean="0"/>
           </a:p>
           <a:p>
             <a:pPr>
@@ -3885,15 +3910,25 @@
             </a:pPr>
             <a:r>
               <a:rPr lang="en-NZ" sz="1400" dirty="0" smtClean="0"/>
-              <a:t>● </a:t>
-            </a:r>
+              <a:t>● Edit in browser</a:t>
+            </a:r>
+          </a:p>
+          <a:p>
+            <a:pPr>
+              <a:buNone/>
+            </a:pPr>
             <a:r>
               <a:rPr lang="en-NZ" sz="1400" dirty="0" smtClean="0"/>
-              <a:t>Edit in </a:t>
-            </a:r>
+              <a:t>● Scroll down to "Commit changes“</a:t>
+            </a:r>
+          </a:p>
+          <a:p>
+            <a:pPr>
+              <a:buNone/>
+            </a:pPr>
             <a:r>
               <a:rPr lang="en-NZ" sz="1400" dirty="0" smtClean="0"/>
-              <a:t>browser</a:t>
+              <a:t>● Fill in the information describing the change </a:t>
             </a:r>
           </a:p>
           <a:p>
@@ -3902,42 +3937,7 @@
             </a:pPr>
             <a:r>
               <a:rPr lang="en-NZ" sz="1400" dirty="0" smtClean="0"/>
-              <a:t>● </a:t>
-            </a:r>
-            <a:r>
-              <a:rPr lang="en-NZ" sz="1400" dirty="0" smtClean="0"/>
-              <a:t>Scroll down to "Commit </a:t>
-            </a:r>
-            <a:r>
-              <a:rPr lang="en-NZ" sz="1400" dirty="0" smtClean="0"/>
-              <a:t>changes“</a:t>
-            </a:r>
-          </a:p>
-          <a:p>
-            <a:pPr>
-              <a:buNone/>
-            </a:pPr>
-            <a:r>
-              <a:rPr lang="en-NZ" sz="1400" dirty="0" smtClean="0"/>
-              <a:t>● </a:t>
-            </a:r>
-            <a:r>
-              <a:rPr lang="en-NZ" sz="1400" dirty="0" smtClean="0"/>
-              <a:t>Fill in the information describing the change </a:t>
-            </a:r>
-            <a:endParaRPr lang="en-NZ" sz="1400" dirty="0" smtClean="0"/>
-          </a:p>
-          <a:p>
-            <a:pPr>
-              <a:buNone/>
-            </a:pPr>
-            <a:r>
-              <a:rPr lang="en-NZ" sz="1400" dirty="0" smtClean="0"/>
-              <a:t>● </a:t>
-            </a:r>
-            <a:r>
-              <a:rPr lang="en-NZ" sz="1400" dirty="0" smtClean="0"/>
-              <a:t>Click "Commit changes"</a:t>
+              <a:t>● Click "Commit changes"</a:t>
             </a:r>
           </a:p>
         </p:txBody>
@@ -4009,41 +4009,17 @@
           <a:p>
             <a:r>
               <a:rPr lang="en-NZ" sz="2300" dirty="0" smtClean="0"/>
-              <a:t>An </a:t>
-            </a:r>
+              <a:t>An application that lets you communicate with your operating system using  Command-line interface (CLI).</a:t>
+            </a:r>
+          </a:p>
+          <a:p>
             <a:r>
               <a:rPr lang="en-NZ" sz="2300" dirty="0" smtClean="0"/>
-              <a:t>application that lets you communicate </a:t>
-            </a:r>
-            <a:r>
-              <a:rPr lang="en-NZ" sz="2300" dirty="0" smtClean="0"/>
-              <a:t>with your operating system using  Command-line </a:t>
-            </a:r>
-            <a:r>
-              <a:rPr lang="en-NZ" sz="2300" dirty="0" smtClean="0"/>
-              <a:t>interface (CLI</a:t>
-            </a:r>
-            <a:r>
-              <a:rPr lang="en-NZ" sz="2300" dirty="0" smtClean="0"/>
-              <a:t>).</a:t>
-            </a:r>
-          </a:p>
-          <a:p>
-            <a:r>
-              <a:rPr lang="en-NZ" sz="2300" dirty="0" smtClean="0"/>
-              <a:t>On </a:t>
-            </a:r>
-            <a:r>
-              <a:rPr lang="en-NZ" sz="2300" dirty="0" smtClean="0"/>
-              <a:t>Windows, Right-click in the Folder which you want to add to repository and select </a:t>
+              <a:t>On Windows, Right-click in the Folder which you want to add to repository and select </a:t>
             </a:r>
             <a:r>
               <a:rPr lang="en-NZ" sz="2300" b="1" dirty="0" smtClean="0"/>
-              <a:t>Git </a:t>
-            </a:r>
-            <a:r>
-              <a:rPr lang="en-NZ" sz="2300" b="1" dirty="0" smtClean="0"/>
-              <a:t>Bash.</a:t>
+              <a:t>Git Bash.</a:t>
             </a:r>
           </a:p>
           <a:p>
@@ -4135,15 +4111,7 @@
             </a:r>
             <a:r>
               <a:rPr lang="en-NZ" sz="1900" dirty="0" smtClean="0"/>
-              <a:t>// </a:t>
-            </a:r>
-            <a:r>
-              <a:rPr lang="en-NZ" sz="1900" dirty="0" smtClean="0"/>
-              <a:t>Push to remote </a:t>
-            </a:r>
-            <a:r>
-              <a:rPr lang="en-NZ" sz="1900" dirty="0" smtClean="0"/>
-              <a:t>repository</a:t>
+              <a:t>// Push to remote repository</a:t>
             </a:r>
           </a:p>
           <a:p>
@@ -4157,17 +4125,8 @@
             </a:r>
             <a:r>
               <a:rPr lang="en-NZ" sz="1900" dirty="0" smtClean="0"/>
-              <a:t>// </a:t>
-            </a:r>
-            <a:r>
-              <a:rPr lang="en-NZ" sz="1900" dirty="0" smtClean="0"/>
-              <a:t>Pull latest from Remote </a:t>
-            </a:r>
-            <a:r>
-              <a:rPr lang="en-NZ" sz="1900" dirty="0" smtClean="0"/>
-              <a:t>repository</a:t>
-            </a:r>
-            <a:endParaRPr lang="en-NZ" sz="1900" dirty="0" smtClean="0"/>
+              <a:t>// Pull latest from Remote repository</a:t>
+            </a:r>
           </a:p>
           <a:p>
             <a:pPr>
